--- a/1801_FSE_pics.pptx
+++ b/1801_FSE_pics.pptx
@@ -305,7 +305,7 @@
           <a:p>
             <a:fld id="{0460A97C-6094-44F3-9AD2-0A11796E8BE7}" type="datetimeFigureOut">
               <a:rPr lang="en-US" smtClean="0"/>
-              <a:t>10/31/2018</a:t>
+              <a:t>1/7/2019</a:t>
             </a:fld>
             <a:endParaRPr lang="en-GB"/>
           </a:p>
@@ -470,7 +470,7 @@
           <a:p>
             <a:fld id="{0460A97C-6094-44F3-9AD2-0A11796E8BE7}" type="datetimeFigureOut">
               <a:rPr lang="en-US" smtClean="0"/>
-              <a:t>10/31/2018</a:t>
+              <a:t>1/7/2019</a:t>
             </a:fld>
             <a:endParaRPr lang="en-GB"/>
           </a:p>
@@ -645,7 +645,7 @@
           <a:p>
             <a:fld id="{0460A97C-6094-44F3-9AD2-0A11796E8BE7}" type="datetimeFigureOut">
               <a:rPr lang="en-US" smtClean="0"/>
-              <a:t>10/31/2018</a:t>
+              <a:t>1/7/2019</a:t>
             </a:fld>
             <a:endParaRPr lang="en-GB"/>
           </a:p>
@@ -810,7 +810,7 @@
           <a:p>
             <a:fld id="{0460A97C-6094-44F3-9AD2-0A11796E8BE7}" type="datetimeFigureOut">
               <a:rPr lang="en-US" smtClean="0"/>
-              <a:t>10/31/2018</a:t>
+              <a:t>1/7/2019</a:t>
             </a:fld>
             <a:endParaRPr lang="en-GB"/>
           </a:p>
@@ -1051,7 +1051,7 @@
           <a:p>
             <a:fld id="{0460A97C-6094-44F3-9AD2-0A11796E8BE7}" type="datetimeFigureOut">
               <a:rPr lang="en-US" smtClean="0"/>
-              <a:t>10/31/2018</a:t>
+              <a:t>1/7/2019</a:t>
             </a:fld>
             <a:endParaRPr lang="en-GB"/>
           </a:p>
@@ -1334,7 +1334,7 @@
           <a:p>
             <a:fld id="{0460A97C-6094-44F3-9AD2-0A11796E8BE7}" type="datetimeFigureOut">
               <a:rPr lang="en-US" smtClean="0"/>
-              <a:t>10/31/2018</a:t>
+              <a:t>1/7/2019</a:t>
             </a:fld>
             <a:endParaRPr lang="en-GB"/>
           </a:p>
@@ -1751,7 +1751,7 @@
           <a:p>
             <a:fld id="{0460A97C-6094-44F3-9AD2-0A11796E8BE7}" type="datetimeFigureOut">
               <a:rPr lang="en-US" smtClean="0"/>
-              <a:t>10/31/2018</a:t>
+              <a:t>1/7/2019</a:t>
             </a:fld>
             <a:endParaRPr lang="en-GB"/>
           </a:p>
@@ -1864,7 +1864,7 @@
           <a:p>
             <a:fld id="{0460A97C-6094-44F3-9AD2-0A11796E8BE7}" type="datetimeFigureOut">
               <a:rPr lang="en-US" smtClean="0"/>
-              <a:t>10/31/2018</a:t>
+              <a:t>1/7/2019</a:t>
             </a:fld>
             <a:endParaRPr lang="en-GB"/>
           </a:p>
@@ -1954,7 +1954,7 @@
           <a:p>
             <a:fld id="{0460A97C-6094-44F3-9AD2-0A11796E8BE7}" type="datetimeFigureOut">
               <a:rPr lang="en-US" smtClean="0"/>
-              <a:t>10/31/2018</a:t>
+              <a:t>1/7/2019</a:t>
             </a:fld>
             <a:endParaRPr lang="en-GB"/>
           </a:p>
@@ -2226,7 +2226,7 @@
           <a:p>
             <a:fld id="{0460A97C-6094-44F3-9AD2-0A11796E8BE7}" type="datetimeFigureOut">
               <a:rPr lang="en-US" smtClean="0"/>
-              <a:t>10/31/2018</a:t>
+              <a:t>1/7/2019</a:t>
             </a:fld>
             <a:endParaRPr lang="en-GB"/>
           </a:p>
@@ -2478,7 +2478,7 @@
           <a:p>
             <a:fld id="{0460A97C-6094-44F3-9AD2-0A11796E8BE7}" type="datetimeFigureOut">
               <a:rPr lang="en-US" smtClean="0"/>
-              <a:t>10/31/2018</a:t>
+              <a:t>1/7/2019</a:t>
             </a:fld>
             <a:endParaRPr lang="en-GB"/>
           </a:p>
@@ -2686,7 +2686,7 @@
           <a:p>
             <a:fld id="{0460A97C-6094-44F3-9AD2-0A11796E8BE7}" type="datetimeFigureOut">
               <a:rPr lang="en-US" smtClean="0"/>
-              <a:t>10/31/2018</a:t>
+              <a:t>1/7/2019</a:t>
             </a:fld>
             <a:endParaRPr lang="en-GB"/>
           </a:p>
@@ -3188,7 +3188,7 @@
       </p:sp>
       <p:pic>
         <p:nvPicPr>
-          <p:cNvPr id="4" name="Picture 3"/>
+          <p:cNvPr id="6" name="Picture 5"/>
           <p:cNvPicPr>
             <a:picLocks noChangeAspect="1"/>
           </p:cNvPicPr>
@@ -3202,8 +3202,8 @@
         </p:blipFill>
         <p:spPr>
           <a:xfrm>
-            <a:off x="35496" y="-25323"/>
-            <a:ext cx="9073008" cy="6908646"/>
+            <a:off x="107504" y="0"/>
+            <a:ext cx="9036496" cy="6880844"/>
           </a:xfrm>
           <a:prstGeom prst="rect">
             <a:avLst/>

--- a/1801_FSE_pics.pptx
+++ b/1801_FSE_pics.pptx
@@ -305,7 +305,7 @@
           <a:p>
             <a:fld id="{0460A97C-6094-44F3-9AD2-0A11796E8BE7}" type="datetimeFigureOut">
               <a:rPr lang="en-US" smtClean="0"/>
-              <a:t>1/7/2019</a:t>
+              <a:t>1/31/2019</a:t>
             </a:fld>
             <a:endParaRPr lang="en-GB"/>
           </a:p>
@@ -470,7 +470,7 @@
           <a:p>
             <a:fld id="{0460A97C-6094-44F3-9AD2-0A11796E8BE7}" type="datetimeFigureOut">
               <a:rPr lang="en-US" smtClean="0"/>
-              <a:t>1/7/2019</a:t>
+              <a:t>1/31/2019</a:t>
             </a:fld>
             <a:endParaRPr lang="en-GB"/>
           </a:p>
@@ -645,7 +645,7 @@
           <a:p>
             <a:fld id="{0460A97C-6094-44F3-9AD2-0A11796E8BE7}" type="datetimeFigureOut">
               <a:rPr lang="en-US" smtClean="0"/>
-              <a:t>1/7/2019</a:t>
+              <a:t>1/31/2019</a:t>
             </a:fld>
             <a:endParaRPr lang="en-GB"/>
           </a:p>
@@ -810,7 +810,7 @@
           <a:p>
             <a:fld id="{0460A97C-6094-44F3-9AD2-0A11796E8BE7}" type="datetimeFigureOut">
               <a:rPr lang="en-US" smtClean="0"/>
-              <a:t>1/7/2019</a:t>
+              <a:t>1/31/2019</a:t>
             </a:fld>
             <a:endParaRPr lang="en-GB"/>
           </a:p>
@@ -1051,7 +1051,7 @@
           <a:p>
             <a:fld id="{0460A97C-6094-44F3-9AD2-0A11796E8BE7}" type="datetimeFigureOut">
               <a:rPr lang="en-US" smtClean="0"/>
-              <a:t>1/7/2019</a:t>
+              <a:t>1/31/2019</a:t>
             </a:fld>
             <a:endParaRPr lang="en-GB"/>
           </a:p>
@@ -1334,7 +1334,7 @@
           <a:p>
             <a:fld id="{0460A97C-6094-44F3-9AD2-0A11796E8BE7}" type="datetimeFigureOut">
               <a:rPr lang="en-US" smtClean="0"/>
-              <a:t>1/7/2019</a:t>
+              <a:t>1/31/2019</a:t>
             </a:fld>
             <a:endParaRPr lang="en-GB"/>
           </a:p>
@@ -1751,7 +1751,7 @@
           <a:p>
             <a:fld id="{0460A97C-6094-44F3-9AD2-0A11796E8BE7}" type="datetimeFigureOut">
               <a:rPr lang="en-US" smtClean="0"/>
-              <a:t>1/7/2019</a:t>
+              <a:t>1/31/2019</a:t>
             </a:fld>
             <a:endParaRPr lang="en-GB"/>
           </a:p>
@@ -1864,7 +1864,7 @@
           <a:p>
             <a:fld id="{0460A97C-6094-44F3-9AD2-0A11796E8BE7}" type="datetimeFigureOut">
               <a:rPr lang="en-US" smtClean="0"/>
-              <a:t>1/7/2019</a:t>
+              <a:t>1/31/2019</a:t>
             </a:fld>
             <a:endParaRPr lang="en-GB"/>
           </a:p>
@@ -1954,7 +1954,7 @@
           <a:p>
             <a:fld id="{0460A97C-6094-44F3-9AD2-0A11796E8BE7}" type="datetimeFigureOut">
               <a:rPr lang="en-US" smtClean="0"/>
-              <a:t>1/7/2019</a:t>
+              <a:t>1/31/2019</a:t>
             </a:fld>
             <a:endParaRPr lang="en-GB"/>
           </a:p>
@@ -2226,7 +2226,7 @@
           <a:p>
             <a:fld id="{0460A97C-6094-44F3-9AD2-0A11796E8BE7}" type="datetimeFigureOut">
               <a:rPr lang="en-US" smtClean="0"/>
-              <a:t>1/7/2019</a:t>
+              <a:t>1/31/2019</a:t>
             </a:fld>
             <a:endParaRPr lang="en-GB"/>
           </a:p>
@@ -2478,7 +2478,7 @@
           <a:p>
             <a:fld id="{0460A97C-6094-44F3-9AD2-0A11796E8BE7}" type="datetimeFigureOut">
               <a:rPr lang="en-US" smtClean="0"/>
-              <a:t>1/7/2019</a:t>
+              <a:t>1/31/2019</a:t>
             </a:fld>
             <a:endParaRPr lang="en-GB"/>
           </a:p>
@@ -2686,7 +2686,7 @@
           <a:p>
             <a:fld id="{0460A97C-6094-44F3-9AD2-0A11796E8BE7}" type="datetimeFigureOut">
               <a:rPr lang="en-US" smtClean="0"/>
-              <a:t>1/7/2019</a:t>
+              <a:t>1/31/2019</a:t>
             </a:fld>
             <a:endParaRPr lang="en-GB"/>
           </a:p>
@@ -3188,7 +3188,7 @@
       </p:sp>
       <p:pic>
         <p:nvPicPr>
-          <p:cNvPr id="6" name="Picture 5"/>
+          <p:cNvPr id="4" name="Picture 3"/>
           <p:cNvPicPr>
             <a:picLocks noChangeAspect="1"/>
           </p:cNvPicPr>
@@ -3202,7 +3202,7 @@
         </p:blipFill>
         <p:spPr>
           <a:xfrm>
-            <a:off x="107504" y="0"/>
+            <a:off x="0" y="0"/>
             <a:ext cx="9036496" cy="6880844"/>
           </a:xfrm>
           <a:prstGeom prst="rect">

--- a/1801_FSE_pics.pptx
+++ b/1801_FSE_pics.pptx
@@ -9,7 +9,7 @@
     <p:sldId id="258" r:id="rId3"/>
   </p:sldIdLst>
   <p:sldSz cx="9144000" cy="6858000" type="screen4x3"/>
-  <p:notesSz cx="6858000" cy="9144000"/>
+  <p:notesSz cx="6797675" cy="9926638"/>
   <p:defaultTextStyle>
     <a:defPPr>
       <a:defRPr lang="en-US"/>
@@ -305,7 +305,7 @@
           <a:p>
             <a:fld id="{0460A97C-6094-44F3-9AD2-0A11796E8BE7}" type="datetimeFigureOut">
               <a:rPr lang="en-US" smtClean="0"/>
-              <a:t>1/31/2019</a:t>
+              <a:t>2/7/2019</a:t>
             </a:fld>
             <a:endParaRPr lang="en-GB"/>
           </a:p>
@@ -470,7 +470,7 @@
           <a:p>
             <a:fld id="{0460A97C-6094-44F3-9AD2-0A11796E8BE7}" type="datetimeFigureOut">
               <a:rPr lang="en-US" smtClean="0"/>
-              <a:t>1/31/2019</a:t>
+              <a:t>2/7/2019</a:t>
             </a:fld>
             <a:endParaRPr lang="en-GB"/>
           </a:p>
@@ -645,7 +645,7 @@
           <a:p>
             <a:fld id="{0460A97C-6094-44F3-9AD2-0A11796E8BE7}" type="datetimeFigureOut">
               <a:rPr lang="en-US" smtClean="0"/>
-              <a:t>1/31/2019</a:t>
+              <a:t>2/7/2019</a:t>
             </a:fld>
             <a:endParaRPr lang="en-GB"/>
           </a:p>
@@ -810,7 +810,7 @@
           <a:p>
             <a:fld id="{0460A97C-6094-44F3-9AD2-0A11796E8BE7}" type="datetimeFigureOut">
               <a:rPr lang="en-US" smtClean="0"/>
-              <a:t>1/31/2019</a:t>
+              <a:t>2/7/2019</a:t>
             </a:fld>
             <a:endParaRPr lang="en-GB"/>
           </a:p>
@@ -1051,7 +1051,7 @@
           <a:p>
             <a:fld id="{0460A97C-6094-44F3-9AD2-0A11796E8BE7}" type="datetimeFigureOut">
               <a:rPr lang="en-US" smtClean="0"/>
-              <a:t>1/31/2019</a:t>
+              <a:t>2/7/2019</a:t>
             </a:fld>
             <a:endParaRPr lang="en-GB"/>
           </a:p>
@@ -1334,7 +1334,7 @@
           <a:p>
             <a:fld id="{0460A97C-6094-44F3-9AD2-0A11796E8BE7}" type="datetimeFigureOut">
               <a:rPr lang="en-US" smtClean="0"/>
-              <a:t>1/31/2019</a:t>
+              <a:t>2/7/2019</a:t>
             </a:fld>
             <a:endParaRPr lang="en-GB"/>
           </a:p>
@@ -1751,7 +1751,7 @@
           <a:p>
             <a:fld id="{0460A97C-6094-44F3-9AD2-0A11796E8BE7}" type="datetimeFigureOut">
               <a:rPr lang="en-US" smtClean="0"/>
-              <a:t>1/31/2019</a:t>
+              <a:t>2/7/2019</a:t>
             </a:fld>
             <a:endParaRPr lang="en-GB"/>
           </a:p>
@@ -1864,7 +1864,7 @@
           <a:p>
             <a:fld id="{0460A97C-6094-44F3-9AD2-0A11796E8BE7}" type="datetimeFigureOut">
               <a:rPr lang="en-US" smtClean="0"/>
-              <a:t>1/31/2019</a:t>
+              <a:t>2/7/2019</a:t>
             </a:fld>
             <a:endParaRPr lang="en-GB"/>
           </a:p>
@@ -1954,7 +1954,7 @@
           <a:p>
             <a:fld id="{0460A97C-6094-44F3-9AD2-0A11796E8BE7}" type="datetimeFigureOut">
               <a:rPr lang="en-US" smtClean="0"/>
-              <a:t>1/31/2019</a:t>
+              <a:t>2/7/2019</a:t>
             </a:fld>
             <a:endParaRPr lang="en-GB"/>
           </a:p>
@@ -2226,7 +2226,7 @@
           <a:p>
             <a:fld id="{0460A97C-6094-44F3-9AD2-0A11796E8BE7}" type="datetimeFigureOut">
               <a:rPr lang="en-US" smtClean="0"/>
-              <a:t>1/31/2019</a:t>
+              <a:t>2/7/2019</a:t>
             </a:fld>
             <a:endParaRPr lang="en-GB"/>
           </a:p>
@@ -2478,7 +2478,7 @@
           <a:p>
             <a:fld id="{0460A97C-6094-44F3-9AD2-0A11796E8BE7}" type="datetimeFigureOut">
               <a:rPr lang="en-US" smtClean="0"/>
-              <a:t>1/31/2019</a:t>
+              <a:t>2/7/2019</a:t>
             </a:fld>
             <a:endParaRPr lang="en-GB"/>
           </a:p>
@@ -2686,7 +2686,7 @@
           <a:p>
             <a:fld id="{0460A97C-6094-44F3-9AD2-0A11796E8BE7}" type="datetimeFigureOut">
               <a:rPr lang="en-US" smtClean="0"/>
-              <a:t>1/31/2019</a:t>
+              <a:t>2/7/2019</a:t>
             </a:fld>
             <a:endParaRPr lang="en-GB"/>
           </a:p>
@@ -3188,7 +3188,7 @@
       </p:sp>
       <p:pic>
         <p:nvPicPr>
-          <p:cNvPr id="4" name="Picture 3"/>
+          <p:cNvPr id="5" name="Picture 4"/>
           <p:cNvPicPr>
             <a:picLocks noChangeAspect="1"/>
           </p:cNvPicPr>
@@ -3202,8 +3202,8 @@
         </p:blipFill>
         <p:spPr>
           <a:xfrm>
-            <a:off x="0" y="0"/>
-            <a:ext cx="9036496" cy="6880844"/>
+            <a:off x="0" y="-1"/>
+            <a:ext cx="8964488" cy="6826013"/>
           </a:xfrm>
           <a:prstGeom prst="rect">
             <a:avLst/>

--- a/1801_FSE_pics.pptx
+++ b/1801_FSE_pics.pptx
@@ -7,6 +7,8 @@
   <p:sldIdLst>
     <p:sldId id="257" r:id="rId2"/>
     <p:sldId id="258" r:id="rId3"/>
+    <p:sldId id="259" r:id="rId4"/>
+    <p:sldId id="260" r:id="rId5"/>
   </p:sldIdLst>
   <p:sldSz cx="9144000" cy="6858000" type="screen4x3"/>
   <p:notesSz cx="6797675" cy="9926638"/>
@@ -305,7 +307,7 @@
           <a:p>
             <a:fld id="{0460A97C-6094-44F3-9AD2-0A11796E8BE7}" type="datetimeFigureOut">
               <a:rPr lang="en-US" smtClean="0"/>
-              <a:t>2/7/2019</a:t>
+              <a:t>2/15/2019</a:t>
             </a:fld>
             <a:endParaRPr lang="en-GB"/>
           </a:p>
@@ -470,7 +472,7 @@
           <a:p>
             <a:fld id="{0460A97C-6094-44F3-9AD2-0A11796E8BE7}" type="datetimeFigureOut">
               <a:rPr lang="en-US" smtClean="0"/>
-              <a:t>2/7/2019</a:t>
+              <a:t>2/15/2019</a:t>
             </a:fld>
             <a:endParaRPr lang="en-GB"/>
           </a:p>
@@ -645,7 +647,7 @@
           <a:p>
             <a:fld id="{0460A97C-6094-44F3-9AD2-0A11796E8BE7}" type="datetimeFigureOut">
               <a:rPr lang="en-US" smtClean="0"/>
-              <a:t>2/7/2019</a:t>
+              <a:t>2/15/2019</a:t>
             </a:fld>
             <a:endParaRPr lang="en-GB"/>
           </a:p>
@@ -810,7 +812,7 @@
           <a:p>
             <a:fld id="{0460A97C-6094-44F3-9AD2-0A11796E8BE7}" type="datetimeFigureOut">
               <a:rPr lang="en-US" smtClean="0"/>
-              <a:t>2/7/2019</a:t>
+              <a:t>2/15/2019</a:t>
             </a:fld>
             <a:endParaRPr lang="en-GB"/>
           </a:p>
@@ -1051,7 +1053,7 @@
           <a:p>
             <a:fld id="{0460A97C-6094-44F3-9AD2-0A11796E8BE7}" type="datetimeFigureOut">
               <a:rPr lang="en-US" smtClean="0"/>
-              <a:t>2/7/2019</a:t>
+              <a:t>2/15/2019</a:t>
             </a:fld>
             <a:endParaRPr lang="en-GB"/>
           </a:p>
@@ -1334,7 +1336,7 @@
           <a:p>
             <a:fld id="{0460A97C-6094-44F3-9AD2-0A11796E8BE7}" type="datetimeFigureOut">
               <a:rPr lang="en-US" smtClean="0"/>
-              <a:t>2/7/2019</a:t>
+              <a:t>2/15/2019</a:t>
             </a:fld>
             <a:endParaRPr lang="en-GB"/>
           </a:p>
@@ -1751,7 +1753,7 @@
           <a:p>
             <a:fld id="{0460A97C-6094-44F3-9AD2-0A11796E8BE7}" type="datetimeFigureOut">
               <a:rPr lang="en-US" smtClean="0"/>
-              <a:t>2/7/2019</a:t>
+              <a:t>2/15/2019</a:t>
             </a:fld>
             <a:endParaRPr lang="en-GB"/>
           </a:p>
@@ -1864,7 +1866,7 @@
           <a:p>
             <a:fld id="{0460A97C-6094-44F3-9AD2-0A11796E8BE7}" type="datetimeFigureOut">
               <a:rPr lang="en-US" smtClean="0"/>
-              <a:t>2/7/2019</a:t>
+              <a:t>2/15/2019</a:t>
             </a:fld>
             <a:endParaRPr lang="en-GB"/>
           </a:p>
@@ -1954,7 +1956,7 @@
           <a:p>
             <a:fld id="{0460A97C-6094-44F3-9AD2-0A11796E8BE7}" type="datetimeFigureOut">
               <a:rPr lang="en-US" smtClean="0"/>
-              <a:t>2/7/2019</a:t>
+              <a:t>2/15/2019</a:t>
             </a:fld>
             <a:endParaRPr lang="en-GB"/>
           </a:p>
@@ -2226,7 +2228,7 @@
           <a:p>
             <a:fld id="{0460A97C-6094-44F3-9AD2-0A11796E8BE7}" type="datetimeFigureOut">
               <a:rPr lang="en-US" smtClean="0"/>
-              <a:t>2/7/2019</a:t>
+              <a:t>2/15/2019</a:t>
             </a:fld>
             <a:endParaRPr lang="en-GB"/>
           </a:p>
@@ -2478,7 +2480,7 @@
           <a:p>
             <a:fld id="{0460A97C-6094-44F3-9AD2-0A11796E8BE7}" type="datetimeFigureOut">
               <a:rPr lang="en-US" smtClean="0"/>
-              <a:t>2/7/2019</a:t>
+              <a:t>2/15/2019</a:t>
             </a:fld>
             <a:endParaRPr lang="en-GB"/>
           </a:p>
@@ -2686,7 +2688,7 @@
           <a:p>
             <a:fld id="{0460A97C-6094-44F3-9AD2-0A11796E8BE7}" type="datetimeFigureOut">
               <a:rPr lang="en-US" smtClean="0"/>
-              <a:t>2/7/2019</a:t>
+              <a:t>2/15/2019</a:t>
             </a:fld>
             <a:endParaRPr lang="en-GB"/>
           </a:p>
@@ -3203,7 +3205,7 @@
         <p:spPr>
           <a:xfrm>
             <a:off x="0" y="-1"/>
-            <a:ext cx="8964488" cy="6826013"/>
+            <a:ext cx="9036496" cy="6880844"/>
           </a:xfrm>
           <a:prstGeom prst="rect">
             <a:avLst/>
@@ -3214,6 +3216,190 @@
     <p:extLst>
       <p:ext uri="{BB962C8B-B14F-4D97-AF65-F5344CB8AC3E}">
         <p14:creationId xmlns:p14="http://schemas.microsoft.com/office/powerpoint/2010/main" val="11419688"/>
+      </p:ext>
+    </p:extLst>
+  </p:cSld>
+  <p:clrMapOvr>
+    <a:masterClrMapping/>
+  </p:clrMapOvr>
+</p:sld>
+</file>
+
+<file path=ppt/slides/slide3.xml><?xml version="1.0" encoding="utf-8"?>
+<p:sld xmlns:a="http://schemas.openxmlformats.org/drawingml/2006/main" xmlns:r="http://schemas.openxmlformats.org/officeDocument/2006/relationships" xmlns:p="http://schemas.openxmlformats.org/presentationml/2006/main">
+  <p:cSld>
+    <p:spTree>
+      <p:nvGrpSpPr>
+        <p:cNvPr id="1" name=""/>
+        <p:cNvGrpSpPr/>
+        <p:nvPr/>
+      </p:nvGrpSpPr>
+      <p:grpSpPr>
+        <a:xfrm>
+          <a:off x="0" y="0"/>
+          <a:ext cx="0" cy="0"/>
+          <a:chOff x="0" y="0"/>
+          <a:chExt cx="0" cy="0"/>
+        </a:xfrm>
+      </p:grpSpPr>
+      <p:sp>
+        <p:nvSpPr>
+          <p:cNvPr id="2" name="Title 1"/>
+          <p:cNvSpPr>
+            <a:spLocks noGrp="1"/>
+          </p:cNvSpPr>
+          <p:nvPr>
+            <p:ph type="title"/>
+          </p:nvPr>
+        </p:nvSpPr>
+        <p:spPr/>
+        <p:txBody>
+          <a:bodyPr/>
+          <a:lstStyle/>
+          <a:p>
+            <a:endParaRPr lang="en-GB"/>
+          </a:p>
+        </p:txBody>
+      </p:sp>
+      <p:sp>
+        <p:nvSpPr>
+          <p:cNvPr id="3" name="Content Placeholder 2"/>
+          <p:cNvSpPr>
+            <a:spLocks noGrp="1"/>
+          </p:cNvSpPr>
+          <p:nvPr>
+            <p:ph idx="1"/>
+          </p:nvPr>
+        </p:nvSpPr>
+        <p:spPr/>
+        <p:txBody>
+          <a:bodyPr/>
+          <a:lstStyle/>
+          <a:p>
+            <a:endParaRPr lang="en-GB"/>
+          </a:p>
+        </p:txBody>
+      </p:sp>
+      <p:pic>
+        <p:nvPicPr>
+          <p:cNvPr id="5" name="Picture 4"/>
+          <p:cNvPicPr>
+            <a:picLocks noChangeAspect="1"/>
+          </p:cNvPicPr>
+          <p:nvPr/>
+        </p:nvPicPr>
+        <p:blipFill>
+          <a:blip r:embed="rId2"/>
+          <a:stretch>
+            <a:fillRect/>
+          </a:stretch>
+        </p:blipFill>
+        <p:spPr>
+          <a:xfrm>
+            <a:off x="0" y="-3051"/>
+            <a:ext cx="9036496" cy="6880844"/>
+          </a:xfrm>
+          <a:prstGeom prst="rect">
+            <a:avLst/>
+          </a:prstGeom>
+        </p:spPr>
+      </p:pic>
+    </p:spTree>
+    <p:extLst>
+      <p:ext uri="{BB962C8B-B14F-4D97-AF65-F5344CB8AC3E}">
+        <p14:creationId xmlns:p14="http://schemas.microsoft.com/office/powerpoint/2010/main" val="4275517337"/>
+      </p:ext>
+    </p:extLst>
+  </p:cSld>
+  <p:clrMapOvr>
+    <a:masterClrMapping/>
+  </p:clrMapOvr>
+</p:sld>
+</file>
+
+<file path=ppt/slides/slide4.xml><?xml version="1.0" encoding="utf-8"?>
+<p:sld xmlns:a="http://schemas.openxmlformats.org/drawingml/2006/main" xmlns:r="http://schemas.openxmlformats.org/officeDocument/2006/relationships" xmlns:p="http://schemas.openxmlformats.org/presentationml/2006/main">
+  <p:cSld>
+    <p:spTree>
+      <p:nvGrpSpPr>
+        <p:cNvPr id="1" name=""/>
+        <p:cNvGrpSpPr/>
+        <p:nvPr/>
+      </p:nvGrpSpPr>
+      <p:grpSpPr>
+        <a:xfrm>
+          <a:off x="0" y="0"/>
+          <a:ext cx="0" cy="0"/>
+          <a:chOff x="0" y="0"/>
+          <a:chExt cx="0" cy="0"/>
+        </a:xfrm>
+      </p:grpSpPr>
+      <p:sp>
+        <p:nvSpPr>
+          <p:cNvPr id="2" name="Title 1"/>
+          <p:cNvSpPr>
+            <a:spLocks noGrp="1"/>
+          </p:cNvSpPr>
+          <p:nvPr>
+            <p:ph type="title"/>
+          </p:nvPr>
+        </p:nvSpPr>
+        <p:spPr/>
+        <p:txBody>
+          <a:bodyPr/>
+          <a:lstStyle/>
+          <a:p>
+            <a:endParaRPr lang="en-GB"/>
+          </a:p>
+        </p:txBody>
+      </p:sp>
+      <p:sp>
+        <p:nvSpPr>
+          <p:cNvPr id="3" name="Content Placeholder 2"/>
+          <p:cNvSpPr>
+            <a:spLocks noGrp="1"/>
+          </p:cNvSpPr>
+          <p:nvPr>
+            <p:ph idx="1"/>
+          </p:nvPr>
+        </p:nvSpPr>
+        <p:spPr/>
+        <p:txBody>
+          <a:bodyPr/>
+          <a:lstStyle/>
+          <a:p>
+            <a:endParaRPr lang="en-GB"/>
+          </a:p>
+        </p:txBody>
+      </p:sp>
+      <p:pic>
+        <p:nvPicPr>
+          <p:cNvPr id="5" name="Picture 4"/>
+          <p:cNvPicPr>
+            <a:picLocks noChangeAspect="1"/>
+          </p:cNvPicPr>
+          <p:nvPr/>
+        </p:nvPicPr>
+        <p:blipFill>
+          <a:blip r:embed="rId2"/>
+          <a:stretch>
+            <a:fillRect/>
+          </a:stretch>
+        </p:blipFill>
+        <p:spPr>
+          <a:xfrm>
+            <a:off x="0" y="0"/>
+            <a:ext cx="9036496" cy="6880844"/>
+          </a:xfrm>
+          <a:prstGeom prst="rect">
+            <a:avLst/>
+          </a:prstGeom>
+        </p:spPr>
+      </p:pic>
+    </p:spTree>
+    <p:extLst>
+      <p:ext uri="{BB962C8B-B14F-4D97-AF65-F5344CB8AC3E}">
+        <p14:creationId xmlns:p14="http://schemas.microsoft.com/office/powerpoint/2010/main" val="1801576277"/>
       </p:ext>
     </p:extLst>
   </p:cSld>
